--- a/cp5/hotels-mcd.pptx
+++ b/cp5/hotels-mcd.pptx
@@ -8,7 +8,7 @@
     <p:sldId id="256" r:id="rId2"/>
   </p:sldIdLst>
   <p:sldSz cx="12192000" cy="6858000"/>
-  <p:notesSz cx="6858000" cy="9144000"/>
+  <p:notesSz cx="7099300" cy="10234613"/>
   <p:defaultTextStyle>
     <a:defPPr>
       <a:defRPr lang="fr-FR"/>
@@ -104,6 +104,11 @@
       </a:defRPr>
     </a:lvl9pPr>
   </p:defaultTextStyle>
+  <p:extLst>
+    <p:ext uri="{EFAFB233-063F-42B5-8137-9DF3F51BA10A}">
+      <p15:sldGuideLst xmlns:p15="http://schemas.microsoft.com/office/powerpoint/2012/main"/>
+    </p:ext>
+  </p:extLst>
 </p:presentation>
 </file>
 
@@ -3001,7 +3006,7 @@
           <a:p>
             <a:r>
               <a:rPr lang="fr-FR" sz="1400" b="1" dirty="0" smtClean="0"/>
-              <a:t>groupes</a:t>
+              <a:t>GROUPES</a:t>
             </a:r>
           </a:p>
           <a:p>
@@ -3062,10 +3067,9 @@
           <a:lstStyle/>
           <a:p>
             <a:r>
-              <a:rPr lang="fr-FR" sz="1400" b="1" dirty="0" err="1" smtClean="0"/>
-              <a:t>hotels</a:t>
-            </a:r>
-            <a:endParaRPr lang="fr-FR" sz="1400" b="1" dirty="0" smtClean="0"/>
+              <a:rPr lang="fr-FR" sz="1400" b="1" dirty="0" smtClean="0"/>
+              <a:t>HOTELS</a:t>
+            </a:r>
           </a:p>
           <a:p>
             <a:r>
@@ -3159,7 +3163,7 @@
           <a:p>
             <a:r>
               <a:rPr lang="fr-FR" sz="1400" b="1" dirty="0" smtClean="0"/>
-              <a:t>chambres</a:t>
+              <a:t>CHAMBRES</a:t>
             </a:r>
           </a:p>
           <a:p>
@@ -3234,7 +3238,7 @@
           <a:p>
             <a:r>
               <a:rPr lang="fr-FR" sz="1400" b="1" dirty="0" smtClean="0"/>
-              <a:t>options</a:t>
+              <a:t>OPTIONS</a:t>
             </a:r>
           </a:p>
           <a:p>
@@ -3296,7 +3300,7 @@
           <a:p>
             <a:r>
               <a:rPr lang="fr-FR" sz="1400" b="1" dirty="0" smtClean="0"/>
-              <a:t>clients</a:t>
+              <a:t>CLIENTS</a:t>
             </a:r>
           </a:p>
           <a:p>
@@ -3896,7 +3900,7 @@
         <p:spPr>
           <a:xfrm>
             <a:off x="100584" y="201168"/>
-            <a:ext cx="1422890" cy="369332"/>
+            <a:ext cx="1440202" cy="369332"/>
           </a:xfrm>
           <a:prstGeom prst="rect">
             <a:avLst/>
@@ -3910,10 +3914,10 @@
           <a:lstStyle/>
           <a:p>
             <a:r>
-              <a:rPr lang="fr-FR" dirty="0" smtClean="0"/>
+              <a:rPr lang="fr-FR" b="1" dirty="0" smtClean="0"/>
               <a:t>MCD - Hôtels</a:t>
             </a:r>
-            <a:endParaRPr lang="fr-FR" dirty="0"/>
+            <a:endParaRPr lang="fr-FR" b="1" dirty="0"/>
           </a:p>
         </p:txBody>
       </p:sp>
@@ -4106,7 +4110,7 @@
         <p:spPr>
           <a:xfrm>
             <a:off x="9112594" y="3061787"/>
-            <a:ext cx="412292" cy="307777"/>
+            <a:ext cx="415498" cy="307777"/>
           </a:xfrm>
           <a:prstGeom prst="rect">
             <a:avLst/>
@@ -4121,7 +4125,7 @@
           <a:p>
             <a:r>
               <a:rPr lang="fr-FR" sz="1400" dirty="0" smtClean="0"/>
-              <a:t>1,1</a:t>
+              <a:t>1,n</a:t>
             </a:r>
             <a:endParaRPr lang="fr-FR" sz="1400" dirty="0"/>
           </a:p>
